--- a/Images/Figures_PPT/SARWithRictor.pptx
+++ b/Images/Figures_PPT/SARWithRictor.pptx
@@ -3920,7 +3920,7 @@
           </p:nvSpPr>
           <p:spPr>
             <a:xfrm>
-              <a:off x="4518442" y="2462586"/>
+              <a:off x="4516935" y="2460929"/>
               <a:ext cx="1566579" cy="157737"/>
             </a:xfrm>
             <a:prstGeom prst="rect">
@@ -3966,7 +3966,7 @@
           </p:nvSpPr>
           <p:spPr>
             <a:xfrm>
-              <a:off x="4873829" y="2768970"/>
+              <a:off x="4872321" y="2767313"/>
               <a:ext cx="855806" cy="163560"/>
             </a:xfrm>
             <a:prstGeom prst="rect">
@@ -4012,7 +4012,7 @@
           </p:nvSpPr>
           <p:spPr>
             <a:xfrm>
-              <a:off x="5315905" y="3174447"/>
+              <a:off x="5316705" y="3175206"/>
               <a:ext cx="2036510" cy="157737"/>
             </a:xfrm>
             <a:prstGeom prst="rect">
@@ -4058,7 +4058,7 @@
           </p:nvSpPr>
           <p:spPr>
             <a:xfrm>
-              <a:off x="5906257" y="3480831"/>
+              <a:off x="5907057" y="3481590"/>
               <a:ext cx="855806" cy="163560"/>
             </a:xfrm>
             <a:prstGeom prst="rect">
@@ -4104,7 +4104,7 @@
           </p:nvSpPr>
           <p:spPr>
             <a:xfrm>
-              <a:off x="6434729" y="3815528"/>
+              <a:off x="6435025" y="3815864"/>
               <a:ext cx="1012168" cy="198283"/>
             </a:xfrm>
             <a:prstGeom prst="rect">
@@ -4150,7 +4150,7 @@
           </p:nvSpPr>
           <p:spPr>
             <a:xfrm>
-              <a:off x="6452620" y="4162458"/>
+              <a:off x="6452916" y="4162794"/>
               <a:ext cx="976386" cy="163560"/>
             </a:xfrm>
             <a:prstGeom prst="rect">
@@ -4196,7 +4196,7 @@
           </p:nvSpPr>
           <p:spPr>
             <a:xfrm>
-              <a:off x="4134838" y="5387958"/>
+              <a:off x="4719932" y="4803013"/>
               <a:ext cx="1205158" cy="198283"/>
             </a:xfrm>
             <a:prstGeom prst="rect">
@@ -4242,7 +4242,7 @@
           </p:nvSpPr>
           <p:spPr>
             <a:xfrm>
-              <a:off x="4249224" y="5734888"/>
+              <a:off x="4834318" y="5149943"/>
               <a:ext cx="976386" cy="163560"/>
             </a:xfrm>
             <a:prstGeom prst="rect">
@@ -4288,7 +4288,7 @@
           </p:nvSpPr>
           <p:spPr>
             <a:xfrm>
-              <a:off x="4060658" y="3133320"/>
+              <a:off x="4059104" y="3134735"/>
               <a:ext cx="1156990" cy="198283"/>
             </a:xfrm>
             <a:prstGeom prst="rect">
@@ -4334,7 +4334,7 @@
           </p:nvSpPr>
           <p:spPr>
             <a:xfrm>
-              <a:off x="4150960" y="3480250"/>
+              <a:off x="4149406" y="3481665"/>
               <a:ext cx="976386" cy="163560"/>
             </a:xfrm>
             <a:prstGeom prst="rect">

--- a/Images/Figures_PPT/SARWithRictor.pptx
+++ b/Images/Figures_PPT/SARWithRictor.pptx
@@ -3920,7 +3920,7 @@
           </p:nvSpPr>
           <p:spPr>
             <a:xfrm>
-              <a:off x="4516935" y="2460929"/>
+              <a:off x="4518434" y="2462577"/>
               <a:ext cx="1566579" cy="157737"/>
             </a:xfrm>
             <a:prstGeom prst="rect">
@@ -3966,7 +3966,7 @@
           </p:nvSpPr>
           <p:spPr>
             <a:xfrm>
-              <a:off x="4872321" y="2767313"/>
+              <a:off x="4873821" y="2768961"/>
               <a:ext cx="855806" cy="163560"/>
             </a:xfrm>
             <a:prstGeom prst="rect">
@@ -4012,7 +4012,7 @@
           </p:nvSpPr>
           <p:spPr>
             <a:xfrm>
-              <a:off x="5316705" y="3175206"/>
+              <a:off x="5315965" y="3174502"/>
               <a:ext cx="2036510" cy="157737"/>
             </a:xfrm>
             <a:prstGeom prst="rect">
@@ -4058,7 +4058,7 @@
           </p:nvSpPr>
           <p:spPr>
             <a:xfrm>
-              <a:off x="5907057" y="3481590"/>
+              <a:off x="5906317" y="3480885"/>
               <a:ext cx="855806" cy="163560"/>
             </a:xfrm>
             <a:prstGeom prst="rect">
@@ -4104,7 +4104,7 @@
           </p:nvSpPr>
           <p:spPr>
             <a:xfrm>
-              <a:off x="6435025" y="3815864"/>
+              <a:off x="6434818" y="3815532"/>
               <a:ext cx="1012168" cy="198283"/>
             </a:xfrm>
             <a:prstGeom prst="rect">
@@ -4150,7 +4150,7 @@
           </p:nvSpPr>
           <p:spPr>
             <a:xfrm>
-              <a:off x="6452916" y="4162794"/>
+              <a:off x="6452709" y="4162462"/>
               <a:ext cx="976386" cy="163560"/>
             </a:xfrm>
             <a:prstGeom prst="rect">
@@ -4196,7 +4196,7 @@
           </p:nvSpPr>
           <p:spPr>
             <a:xfrm>
-              <a:off x="4719932" y="4803013"/>
+              <a:off x="4719515" y="4803470"/>
               <a:ext cx="1205158" cy="198283"/>
             </a:xfrm>
             <a:prstGeom prst="rect">
@@ -4242,7 +4242,7 @@
           </p:nvSpPr>
           <p:spPr>
             <a:xfrm>
-              <a:off x="4834318" y="5149943"/>
+              <a:off x="4833901" y="5150400"/>
               <a:ext cx="976386" cy="163560"/>
             </a:xfrm>
             <a:prstGeom prst="rect">
@@ -4288,7 +4288,7 @@
           </p:nvSpPr>
           <p:spPr>
             <a:xfrm>
-              <a:off x="4059104" y="3134735"/>
+              <a:off x="4060475" y="3133291"/>
               <a:ext cx="1156990" cy="198283"/>
             </a:xfrm>
             <a:prstGeom prst="rect">
@@ -4334,7 +4334,7 @@
           </p:nvSpPr>
           <p:spPr>
             <a:xfrm>
-              <a:off x="4149406" y="3481665"/>
+              <a:off x="4150777" y="3480220"/>
               <a:ext cx="976386" cy="163560"/>
             </a:xfrm>
             <a:prstGeom prst="rect">

--- a/Images/Figures_PPT/SARWithRictor.pptx
+++ b/Images/Figures_PPT/SARWithRictor.pptx
@@ -3920,7 +3920,7 @@
           </p:nvSpPr>
           <p:spPr>
             <a:xfrm>
-              <a:off x="4518434" y="2462577"/>
+              <a:off x="4518479" y="2462381"/>
               <a:ext cx="1566579" cy="157737"/>
             </a:xfrm>
             <a:prstGeom prst="rect">
@@ -3966,7 +3966,7 @@
           </p:nvSpPr>
           <p:spPr>
             <a:xfrm>
-              <a:off x="4873821" y="2768961"/>
+              <a:off x="4873865" y="2768764"/>
               <a:ext cx="855806" cy="163560"/>
             </a:xfrm>
             <a:prstGeom prst="rect">
@@ -4012,7 +4012,7 @@
           </p:nvSpPr>
           <p:spPr>
             <a:xfrm>
-              <a:off x="5315965" y="3174502"/>
+              <a:off x="5315876" y="3174419"/>
               <a:ext cx="2036510" cy="157737"/>
             </a:xfrm>
             <a:prstGeom prst="rect">
@@ -4058,7 +4058,7 @@
           </p:nvSpPr>
           <p:spPr>
             <a:xfrm>
-              <a:off x="5906317" y="3480885"/>
+              <a:off x="5906228" y="3480803"/>
               <a:ext cx="855806" cy="163560"/>
             </a:xfrm>
             <a:prstGeom prst="rect">
@@ -4104,7 +4104,7 @@
           </p:nvSpPr>
           <p:spPr>
             <a:xfrm>
-              <a:off x="6434818" y="3815532"/>
+              <a:off x="6434869" y="3815572"/>
               <a:ext cx="1012168" cy="198283"/>
             </a:xfrm>
             <a:prstGeom prst="rect">
@@ -4150,7 +4150,7 @@
           </p:nvSpPr>
           <p:spPr>
             <a:xfrm>
-              <a:off x="6452709" y="4162462"/>
+              <a:off x="6452760" y="4162502"/>
               <a:ext cx="976386" cy="163560"/>
             </a:xfrm>
             <a:prstGeom prst="rect">
@@ -4196,7 +4196,7 @@
           </p:nvSpPr>
           <p:spPr>
             <a:xfrm>
-              <a:off x="4719515" y="4803470"/>
+              <a:off x="4135256" y="5387968"/>
               <a:ext cx="1205158" cy="198283"/>
             </a:xfrm>
             <a:prstGeom prst="rect">
@@ -4242,7 +4242,7 @@
           </p:nvSpPr>
           <p:spPr>
             <a:xfrm>
-              <a:off x="4833901" y="5150400"/>
+              <a:off x="4249643" y="5734897"/>
               <a:ext cx="976386" cy="163560"/>
             </a:xfrm>
             <a:prstGeom prst="rect">
@@ -4288,7 +4288,7 @@
           </p:nvSpPr>
           <p:spPr>
             <a:xfrm>
-              <a:off x="4060475" y="3133291"/>
+              <a:off x="4060499" y="3133475"/>
               <a:ext cx="1156990" cy="198283"/>
             </a:xfrm>
             <a:prstGeom prst="rect">
@@ -4334,7 +4334,7 @@
           </p:nvSpPr>
           <p:spPr>
             <a:xfrm>
-              <a:off x="4150777" y="3480220"/>
+              <a:off x="4150801" y="3480404"/>
               <a:ext cx="976386" cy="163560"/>
             </a:xfrm>
             <a:prstGeom prst="rect">

--- a/Images/Figures_PPT/SARWithRictor.pptx
+++ b/Images/Figures_PPT/SARWithRictor.pptx
@@ -3920,7 +3920,7 @@
           </p:nvSpPr>
           <p:spPr>
             <a:xfrm>
-              <a:off x="4518479" y="2462381"/>
+              <a:off x="4518717" y="2462613"/>
               <a:ext cx="1566579" cy="157737"/>
             </a:xfrm>
             <a:prstGeom prst="rect">
@@ -3966,7 +3966,7 @@
           </p:nvSpPr>
           <p:spPr>
             <a:xfrm>
-              <a:off x="4873865" y="2768764"/>
+              <a:off x="4874103" y="2768997"/>
               <a:ext cx="855806" cy="163560"/>
             </a:xfrm>
             <a:prstGeom prst="rect">
@@ -4012,7 +4012,7 @@
           </p:nvSpPr>
           <p:spPr>
             <a:xfrm>
-              <a:off x="5315876" y="3174419"/>
+              <a:off x="5315814" y="3174107"/>
               <a:ext cx="2036510" cy="157737"/>
             </a:xfrm>
             <a:prstGeom prst="rect">
@@ -4058,7 +4058,7 @@
           </p:nvSpPr>
           <p:spPr>
             <a:xfrm>
-              <a:off x="5906228" y="3480803"/>
+              <a:off x="5906166" y="3480491"/>
               <a:ext cx="855806" cy="163560"/>
             </a:xfrm>
             <a:prstGeom prst="rect">
@@ -4104,7 +4104,7 @@
           </p:nvSpPr>
           <p:spPr>
             <a:xfrm>
-              <a:off x="6434869" y="3815572"/>
+              <a:off x="6434717" y="3815526"/>
               <a:ext cx="1012168" cy="198283"/>
             </a:xfrm>
             <a:prstGeom prst="rect">
@@ -4150,7 +4150,7 @@
           </p:nvSpPr>
           <p:spPr>
             <a:xfrm>
-              <a:off x="6452760" y="4162502"/>
+              <a:off x="6452608" y="4162456"/>
               <a:ext cx="976386" cy="163560"/>
             </a:xfrm>
             <a:prstGeom prst="rect">
@@ -4196,7 +4196,7 @@
           </p:nvSpPr>
           <p:spPr>
             <a:xfrm>
-              <a:off x="4135256" y="5387968"/>
+              <a:off x="4719761" y="4803227"/>
               <a:ext cx="1205158" cy="198283"/>
             </a:xfrm>
             <a:prstGeom prst="rect">
@@ -4242,7 +4242,7 @@
           </p:nvSpPr>
           <p:spPr>
             <a:xfrm>
-              <a:off x="4249643" y="5734897"/>
+              <a:off x="4834147" y="5150157"/>
               <a:ext cx="976386" cy="163560"/>
             </a:xfrm>
             <a:prstGeom prst="rect">
@@ -4288,7 +4288,7 @@
           </p:nvSpPr>
           <p:spPr>
             <a:xfrm>
-              <a:off x="4060499" y="3133475"/>
+              <a:off x="4060573" y="3133356"/>
               <a:ext cx="1156990" cy="198283"/>
             </a:xfrm>
             <a:prstGeom prst="rect">
@@ -4334,7 +4334,7 @@
           </p:nvSpPr>
           <p:spPr>
             <a:xfrm>
-              <a:off x="4150801" y="3480404"/>
+              <a:off x="4150875" y="3480286"/>
               <a:ext cx="976386" cy="163560"/>
             </a:xfrm>
             <a:prstGeom prst="rect">
